--- a/Presentationsmaterial/Dokument/1.1 Introduktion till programmering.pptx
+++ b/Presentationsmaterial/Dokument/1.1 Introduktion till programmering.pptx
@@ -4234,7 +4234,19 @@
                 <a:latin typeface="Times New Roman" pitchFamily="18" charset="0"/>
                 <a:cs typeface="Times New Roman" pitchFamily="18" charset="0"/>
               </a:rPr>
-              <a:t>(13)</a:t>
+              <a:t>(</a:t>
+            </a:r>
+            <a:r>
+              <a:rPr lang="en-US" sz="700" dirty="0" smtClean="0">
+                <a:solidFill>
+                  <a:schemeClr val="bg1">
+                    <a:lumMod val="75000"/>
+                  </a:schemeClr>
+                </a:solidFill>
+                <a:latin typeface="Times New Roman" pitchFamily="18" charset="0"/>
+                <a:cs typeface="Times New Roman" pitchFamily="18" charset="0"/>
+              </a:rPr>
+              <a:t>11)</a:t>
             </a:r>
             <a:endParaRPr lang="en-US" sz="700" dirty="0">
               <a:solidFill>
@@ -5429,11 +5441,7 @@
             </a:r>
             <a:r>
               <a:rPr lang="sv-SE" sz="1400" dirty="0" smtClean="0"/>
-              <a:t>Introduktion till </a:t>
-            </a:r>
-            <a:r>
-              <a:rPr lang="sv-SE" sz="1400" dirty="0" smtClean="0"/>
-              <a:t>programmering</a:t>
+              <a:t>Introduktion till programmering</a:t>
             </a:r>
             <a:r>
               <a:rPr lang="sv-SE" sz="1400" dirty="0"/>
@@ -5441,15 +5449,7 @@
             </a:r>
             <a:r>
               <a:rPr lang="sv-SE" sz="1400" dirty="0" smtClean="0"/>
-              <a:t>förutom </a:t>
-            </a:r>
-            <a:r>
-              <a:rPr lang="sv-SE" sz="1400" dirty="0" smtClean="0"/>
-              <a:t>fotografier samt </a:t>
-            </a:r>
-            <a:r>
-              <a:rPr lang="sv-SE" sz="1400" dirty="0" smtClean="0"/>
-              <a:t>Linnéuniversitetets logotyp och symbol, </a:t>
+              <a:t>förutom fotografier samt Linnéuniversitetets logotyp och symbol, </a:t>
             </a:r>
             <a:r>
               <a:rPr lang="sv-SE" sz="1400" dirty="0"/>
@@ -7713,7 +7713,7 @@
           <a:graphicData uri="http://schemas.openxmlformats.org/presentationml/2006/ole">
             <mc:AlternateContent xmlns:mc="http://schemas.openxmlformats.org/markup-compatibility/2006">
               <mc:Choice xmlns:v="urn:schemas-microsoft-com:vml" Requires="v">
-                <p:oleObj spid="_x0000_s1037" name="Equation" r:id="rId5" imgW="342720" imgH="203040" progId="Equation.3">
+                <p:oleObj spid="_x0000_s1039" name="Equation" r:id="rId5" imgW="342720" imgH="203040" progId="Equation.3">
                   <p:embed/>
                 </p:oleObj>
               </mc:Choice>
@@ -8614,7 +8614,7 @@
           <a:graphicData uri="http://schemas.openxmlformats.org/presentationml/2006/ole">
             <mc:AlternateContent xmlns:mc="http://schemas.openxmlformats.org/markup-compatibility/2006">
               <mc:Choice xmlns:v="urn:schemas-microsoft-com:vml" Requires="v">
-                <p:oleObj spid="_x0000_s2061" name="Equation" r:id="rId5" imgW="342720" imgH="203040" progId="Equation.3">
+                <p:oleObj spid="_x0000_s2063" name="Equation" r:id="rId5" imgW="342720" imgH="203040" progId="Equation.3">
                   <p:embed/>
                 </p:oleObj>
               </mc:Choice>
